--- a/output/generated_presentation.pptx
+++ b/output/generated_presentation.pptx
@@ -18,6 +18,8 @@
     <p:sldId id="266" r:id="rId16"/>
     <p:sldId id="267" r:id="rId17"/>
     <p:sldId id="268" r:id="rId18"/>
+    <p:sldId id="269" r:id="rId19"/>
+    <p:sldId id="270" r:id="rId20"/>
   </p:sldIdLst>
   <p:sldSz cx="12192000" cy="6858000"/>
   <p:notesSz cx="6858000" cy="9144000"/>
@@ -6048,7 +6050,7 @@
           <a:lstStyle/>
           <a:p>
             <a:r>
-              <a:t>Huffman Coding Algorithm and Code Generation</a:t>
+              <a:t>Huffman Coding Algorithm: Code Generation and Implementation</a:t>
             </a:r>
           </a:p>
         </p:txBody>
@@ -6087,7 +6089,7 @@
               <a:defRPr sz="1800"/>
             </a:pPr>
             <a:r>
-              <a:t>The code for each character is the path from the root to its leaf node.</a:t>
+              <a:t>Leaf nodes represent characters and their associated binary codes.</a:t>
             </a:r>
           </a:p>
           <a:p>
@@ -6098,7 +6100,7 @@
               <a:defRPr sz="1800"/>
             </a:pPr>
             <a:r>
-              <a:t>This creates a prefix-free code (no code is a prefix of another).</a:t>
+              <a:t>The code for each character is the path from the root to that leaf.</a:t>
             </a:r>
           </a:p>
           <a:p>
@@ -6109,7 +6111,7 @@
               <a:defRPr sz="1800"/>
             </a:pPr>
             <a:r>
-              <a:t>This prevents ambiguity during decoding.</a:t>
+              <a:t>The algorithm ensures a prefix-free code, preventing ambiguity during decoding.</a:t>
             </a:r>
           </a:p>
           <a:p>
@@ -6120,7 +6122,7 @@
               <a:defRPr sz="1800"/>
             </a:pPr>
             <a:r>
-              <a:t>The codes are then used to replace the original characters in the data.</a:t>
+              <a:t>Implementation involves using data structures like min-heaps and trees.</a:t>
             </a:r>
           </a:p>
         </p:txBody>
@@ -6159,7 +6161,7 @@
           <a:lstStyle/>
           <a:p>
             <a:r>
-              <a:t>Prefix Codes and Ambiguity Prevention</a:t>
+              <a:t>Prefix Codes and Decoding: Ensuring Unambiguity</a:t>
             </a:r>
           </a:p>
         </p:txBody>
@@ -6187,7 +6189,7 @@
               <a:defRPr sz="1800"/>
             </a:pPr>
             <a:r>
-              <a:t>Huffman codes are prefix-free.</a:t>
+              <a:t>Prefix codes guarantee unique decoding.</a:t>
             </a:r>
           </a:p>
           <a:p>
@@ -6198,7 +6200,7 @@
               <a:defRPr sz="1800"/>
             </a:pPr>
             <a:r>
-              <a:t>No code is a prefix of another code.</a:t>
+              <a:t>No code is a prefix of another, eliminating ambiguity.</a:t>
             </a:r>
           </a:p>
           <a:p>
@@ -6209,7 +6211,7 @@
               <a:defRPr sz="1800"/>
             </a:pPr>
             <a:r>
-              <a:t>This ensures unambiguous decoding.</a:t>
+              <a:t>Decoding involves traversing the Huffman tree based on the received code.</a:t>
             </a:r>
           </a:p>
           <a:p>
@@ -6220,7 +6222,7 @@
               <a:defRPr sz="1800"/>
             </a:pPr>
             <a:r>
-              <a:t>Example:</a:t>
+              <a:t>Each '0' indicates a left traversal, each '1' a right traversal.</a:t>
             </a:r>
           </a:p>
           <a:p>
@@ -6231,7 +6233,7 @@
               <a:defRPr sz="1800"/>
             </a:pPr>
             <a:r>
-              <a:t>This property is crucial for correct reconstruction of the original data.</a:t>
+              <a:t>Reaching a leaf node signifies the decoded character.</a:t>
             </a:r>
           </a:p>
         </p:txBody>
@@ -6270,7 +6272,7 @@
           <a:lstStyle/>
           <a:p>
             <a:r>
-              <a:t>Example: Huffman Coding in Action &amp; Decoding</a:t>
+              <a:t>Example and Compression Analysis: A Practical Demonstration</a:t>
             </a:r>
           </a:p>
         </p:txBody>
@@ -6298,7 +6300,7 @@
               <a:defRPr sz="1800"/>
             </a:pPr>
             <a:r>
-              <a:t>Show a simple example with a small string (e.g.,</a:t>
+              <a:t>Presents a sample string and its Huffman encoding.</a:t>
             </a:r>
           </a:p>
           <a:p>
@@ -6309,7 +6311,7 @@
               <a:defRPr sz="1800"/>
             </a:pPr>
             <a:r>
-              <a:t>Illustrate frequency calculation.</a:t>
+              <a:t>Shows the frequency of each character.</a:t>
             </a:r>
           </a:p>
           <a:p>
@@ -6320,7 +6322,7 @@
               <a:defRPr sz="1800"/>
             </a:pPr>
             <a:r>
-              <a:t>Show the construction of the Huffman tree.</a:t>
+              <a:t>Illustrates the Huffman tree construction for the sample string.</a:t>
             </a:r>
           </a:p>
           <a:p>
@@ -6331,7 +6333,7 @@
               <a:defRPr sz="1800"/>
             </a:pPr>
             <a:r>
-              <a:t>Demonstrate code assignment.</a:t>
+              <a:t>Calculates the original and compressed data sizes in bits.</a:t>
             </a:r>
           </a:p>
           <a:p>
@@ -6342,18 +6344,7 @@
               <a:defRPr sz="1800"/>
             </a:pPr>
             <a:r>
-              <a:t>Show the encoded string.</a:t>
-            </a:r>
-          </a:p>
-          <a:p>
-            <a:pPr>
-              <a:lnSpc>
-                <a:spcPct val="115000"/>
-              </a:lnSpc>
-              <a:defRPr sz="1800"/>
-            </a:pPr>
-            <a:r>
-              <a:t>Illustrate the decoding process using the Huffman tree.</a:t>
+              <a:t>Demonstrates the significant reduction in size achieved through Huffman coding.</a:t>
             </a:r>
           </a:p>
         </p:txBody>
@@ -6392,7 +6383,7 @@
           <a:lstStyle/>
           <a:p>
             <a:r>
-              <a:t>Conclusion: Advantages and Applications of Huffman Coding</a:t>
+              <a:t>Conclusion: The Power and Applications of Huffman Coding</a:t>
             </a:r>
           </a:p>
         </p:txBody>
@@ -6420,7 +6411,7 @@
               <a:defRPr sz="1800"/>
             </a:pPr>
             <a:r>
-              <a:t>Highly efficient for compressing data with repetitive patterns.</a:t>
+              <a:t>Huffman coding provides efficient lossless data compression.</a:t>
             </a:r>
           </a:p>
           <a:p>
@@ -6431,7 +6422,7 @@
               <a:defRPr sz="1800"/>
             </a:pPr>
             <a:r>
-              <a:t>Lossless compression – no data is lost during compression and decompression.</a:t>
+              <a:t>Widely used in data compression algorithms and file formats.</a:t>
             </a:r>
           </a:p>
           <a:p>
@@ -6442,7 +6433,7 @@
               <a:defRPr sz="1800"/>
             </a:pPr>
             <a:r>
-              <a:t>Widely used in file compression (e.g., .zip, .rar).</a:t>
+              <a:t>Its effectiveness depends on the distribution of character frequencies.</a:t>
             </a:r>
           </a:p>
           <a:p>
@@ -6453,7 +6444,7 @@
               <a:defRPr sz="1800"/>
             </a:pPr>
             <a:r>
-              <a:t>Used in fax machines, data transmission, and image compression.</a:t>
+              <a:t>Applications include text compression, image compression (as part of larger algorithms), and data transmission optimization.</a:t>
             </a:r>
           </a:p>
           <a:p>
@@ -6464,7 +6455,270 @@
               <a:defRPr sz="1800"/>
             </a:pPr>
             <a:r>
-              <a:t>A foundational concept in many advanced compression techniques.</a:t>
+              <a:t>Further advancements in compression techniques often build upon the principles of Huffman coding.</a:t>
+            </a:r>
+          </a:p>
+        </p:txBody>
+      </p:sp>
+    </p:spTree>
+  </p:cSld>
+  <p:clrMapOvr>
+    <a:masterClrMapping/>
+  </p:clrMapOvr>
+</p:sld>
+</file>
+
+<file path=ppt/slides/slide14.xml><?xml version="1.0" encoding="utf-8"?>
+<p:sld xmlns:a="http://schemas.openxmlformats.org/drawingml/2006/main" xmlns:p="http://schemas.openxmlformats.org/presentationml/2006/main" xmlns:r="http://schemas.openxmlformats.org/officeDocument/2006/relationships">
+  <p:cSld>
+    <p:spTree>
+      <p:nvGrpSpPr>
+        <p:cNvPr id="1" name=""/>
+        <p:cNvGrpSpPr/>
+        <p:nvPr/>
+      </p:nvGrpSpPr>
+      <p:grpSpPr/>
+      <p:sp>
+        <p:nvSpPr>
+          <p:cNvPr id="2" name="TextBox 1"/>
+          <p:cNvSpPr txBox="1"/>
+          <p:nvPr/>
+        </p:nvSpPr>
+        <p:spPr>
+          <a:xfrm>
+            <a:off x="457200" y="457200"/>
+            <a:ext cx="8229600" cy="914400"/>
+          </a:xfrm>
+          <a:prstGeom prst="rect">
+            <a:avLst/>
+          </a:prstGeom>
+          <a:noFill/>
+        </p:spPr>
+        <p:txBody>
+          <a:bodyPr wrap="none">
+            <a:spAutoFit/>
+          </a:bodyPr>
+          <a:lstStyle/>
+          <a:p>
+            <a:pPr>
+              <a:defRPr sz="3200" b="1"/>
+            </a:pPr>
+            <a:r>
+              <a:t>Additional Images - Part 1</a:t>
+            </a:r>
+          </a:p>
+        </p:txBody>
+      </p:sp>
+      <p:pic>
+        <p:nvPicPr>
+          <p:cNvPr id="3" name="Picture 2" descr="page_1_img_1.png"/>
+          <p:cNvPicPr>
+            <a:picLocks noChangeAspect="1"/>
+          </p:cNvPicPr>
+          <p:nvPr/>
+        </p:nvPicPr>
+        <p:blipFill>
+          <a:blip r:embed="rId2"/>
+          <a:stretch>
+            <a:fillRect/>
+          </a:stretch>
+        </p:blipFill>
+        <p:spPr>
+          <a:xfrm>
+            <a:off x="914400" y="1371600"/>
+            <a:ext cx="3657600" cy="2743200"/>
+          </a:xfrm>
+          <a:prstGeom prst="rect">
+            <a:avLst/>
+          </a:prstGeom>
+        </p:spPr>
+      </p:pic>
+      <p:sp>
+        <p:nvSpPr>
+          <p:cNvPr id="4" name="TextBox 3"/>
+          <p:cNvSpPr txBox="1"/>
+          <p:nvPr/>
+        </p:nvSpPr>
+        <p:spPr>
+          <a:xfrm>
+            <a:off x="914400" y="4206240"/>
+            <a:ext cx="3657600" cy="274320"/>
+          </a:xfrm>
+          <a:prstGeom prst="rect">
+            <a:avLst/>
+          </a:prstGeom>
+          <a:noFill/>
+        </p:spPr>
+        <p:txBody>
+          <a:bodyPr wrap="none">
+            <a:spAutoFit/>
+          </a:bodyPr>
+          <a:lstStyle/>
+          <a:p>
+            <a:pPr algn="ctr">
+              <a:defRPr sz="1000" i="1"/>
+            </a:pPr>
+            <a:r>
+              <a:t>Additional Figure 1</a:t>
+            </a:r>
+          </a:p>
+        </p:txBody>
+      </p:sp>
+      <p:pic>
+        <p:nvPicPr>
+          <p:cNvPr id="5" name="Picture 4" descr="page_2_img_1.png"/>
+          <p:cNvPicPr>
+            <a:picLocks noChangeAspect="1"/>
+          </p:cNvPicPr>
+          <p:nvPr/>
+        </p:nvPicPr>
+        <p:blipFill>
+          <a:blip r:embed="rId3"/>
+          <a:stretch>
+            <a:fillRect/>
+          </a:stretch>
+        </p:blipFill>
+        <p:spPr>
+          <a:xfrm>
+            <a:off x="5029200" y="1371600"/>
+            <a:ext cx="3657600" cy="2743200"/>
+          </a:xfrm>
+          <a:prstGeom prst="rect">
+            <a:avLst/>
+          </a:prstGeom>
+        </p:spPr>
+      </p:pic>
+      <p:sp>
+        <p:nvSpPr>
+          <p:cNvPr id="6" name="TextBox 5"/>
+          <p:cNvSpPr txBox="1"/>
+          <p:nvPr/>
+        </p:nvSpPr>
+        <p:spPr>
+          <a:xfrm>
+            <a:off x="5029200" y="4206240"/>
+            <a:ext cx="3657600" cy="274320"/>
+          </a:xfrm>
+          <a:prstGeom prst="rect">
+            <a:avLst/>
+          </a:prstGeom>
+          <a:noFill/>
+        </p:spPr>
+        <p:txBody>
+          <a:bodyPr wrap="none">
+            <a:spAutoFit/>
+          </a:bodyPr>
+          <a:lstStyle/>
+          <a:p>
+            <a:pPr algn="ctr">
+              <a:defRPr sz="1000" i="1"/>
+            </a:pPr>
+            <a:r>
+              <a:t>Additional Figure 2</a:t>
+            </a:r>
+          </a:p>
+        </p:txBody>
+      </p:sp>
+    </p:spTree>
+  </p:cSld>
+  <p:clrMapOvr>
+    <a:masterClrMapping/>
+  </p:clrMapOvr>
+</p:sld>
+</file>
+
+<file path=ppt/slides/slide15.xml><?xml version="1.0" encoding="utf-8"?>
+<p:sld xmlns:a="http://schemas.openxmlformats.org/drawingml/2006/main" xmlns:p="http://schemas.openxmlformats.org/presentationml/2006/main" xmlns:r="http://schemas.openxmlformats.org/officeDocument/2006/relationships">
+  <p:cSld>
+    <p:spTree>
+      <p:nvGrpSpPr>
+        <p:cNvPr id="1" name=""/>
+        <p:cNvGrpSpPr/>
+        <p:nvPr/>
+      </p:nvGrpSpPr>
+      <p:grpSpPr/>
+      <p:sp>
+        <p:nvSpPr>
+          <p:cNvPr id="2" name="TextBox 1"/>
+          <p:cNvSpPr txBox="1"/>
+          <p:nvPr/>
+        </p:nvSpPr>
+        <p:spPr>
+          <a:xfrm>
+            <a:off x="457200" y="457200"/>
+            <a:ext cx="8229600" cy="914400"/>
+          </a:xfrm>
+          <a:prstGeom prst="rect">
+            <a:avLst/>
+          </a:prstGeom>
+          <a:noFill/>
+        </p:spPr>
+        <p:txBody>
+          <a:bodyPr wrap="none">
+            <a:spAutoFit/>
+          </a:bodyPr>
+          <a:lstStyle/>
+          <a:p>
+            <a:pPr>
+              <a:defRPr sz="3200" b="1"/>
+            </a:pPr>
+            <a:r>
+              <a:t>Additional Images - Part 2</a:t>
+            </a:r>
+          </a:p>
+        </p:txBody>
+      </p:sp>
+      <p:pic>
+        <p:nvPicPr>
+          <p:cNvPr id="3" name="Picture 2" descr="page_2_img_2.png"/>
+          <p:cNvPicPr>
+            <a:picLocks noChangeAspect="1"/>
+          </p:cNvPicPr>
+          <p:nvPr/>
+        </p:nvPicPr>
+        <p:blipFill>
+          <a:blip r:embed="rId2"/>
+          <a:stretch>
+            <a:fillRect/>
+          </a:stretch>
+        </p:blipFill>
+        <p:spPr>
+          <a:xfrm>
+            <a:off x="914400" y="1371600"/>
+            <a:ext cx="7315200" cy="4114800"/>
+          </a:xfrm>
+          <a:prstGeom prst="rect">
+            <a:avLst/>
+          </a:prstGeom>
+        </p:spPr>
+      </p:pic>
+      <p:sp>
+        <p:nvSpPr>
+          <p:cNvPr id="4" name="TextBox 3"/>
+          <p:cNvSpPr txBox="1"/>
+          <p:nvPr/>
+        </p:nvSpPr>
+        <p:spPr>
+          <a:xfrm>
+            <a:off x="914400" y="5577840"/>
+            <a:ext cx="7315200" cy="274320"/>
+          </a:xfrm>
+          <a:prstGeom prst="rect">
+            <a:avLst/>
+          </a:prstGeom>
+          <a:noFill/>
+        </p:spPr>
+        <p:txBody>
+          <a:bodyPr wrap="none">
+            <a:spAutoFit/>
+          </a:bodyPr>
+          <a:lstStyle/>
+          <a:p>
+            <a:pPr algn="ctr">
+              <a:defRPr sz="1000" i="1"/>
+            </a:pPr>
+            <a:r>
+              <a:t>Additional Figure 3</a:t>
             </a:r>
           </a:p>
         </p:txBody>
@@ -6503,7 +6757,7 @@
           <a:lstStyle/>
           <a:p>
             <a:r>
-              <a:t>Huffman Coding: Data Compression Technique</a:t>
+              <a:t>Huffman Coding: Data Compression Through Efficiency</a:t>
             </a:r>
           </a:p>
         </p:txBody>
@@ -6633,7 +6887,7 @@
               <a:defRPr sz="1800"/>
             </a:pPr>
             <a:r>
-              <a:t>2. How Huffman Coding Works: A Simple Explanation</a:t>
+              <a:t>2. How Huffman Coding Works: A Conceptual Overview</a:t>
             </a:r>
           </a:p>
           <a:p>
@@ -6644,7 +6898,7 @@
               <a:defRPr sz="1800"/>
             </a:pPr>
             <a:r>
-              <a:t>3. Huffman Tree Construction</a:t>
+              <a:t>3. Building the Huffman Tree: Step-by-Step</a:t>
             </a:r>
           </a:p>
           <a:p>
@@ -6655,7 +6909,7 @@
               <a:defRPr sz="1800"/>
             </a:pPr>
             <a:r>
-              <a:t>4. Huffman Coding Algorithm and Code Generation</a:t>
+              <a:t>4. Huffman Coding Algorithm: Code Generation and Implementation</a:t>
             </a:r>
           </a:p>
           <a:p>
@@ -6666,7 +6920,7 @@
               <a:defRPr sz="1800"/>
             </a:pPr>
             <a:r>
-              <a:t>5. Prefix Codes and Ambiguity Prevention</a:t>
+              <a:t>5. Prefix Codes and Decoding: Ensuring Unambiguity</a:t>
             </a:r>
           </a:p>
           <a:p>
@@ -6677,7 +6931,7 @@
               <a:defRPr sz="1800"/>
             </a:pPr>
             <a:r>
-              <a:t>6. Example: Huffman Coding in Action &amp; Decoding</a:t>
+              <a:t>6. Example and Compression Analysis: A Practical Demonstration</a:t>
             </a:r>
           </a:p>
           <a:p>
@@ -6688,7 +6942,7 @@
               <a:defRPr sz="1800"/>
             </a:pPr>
             <a:r>
-              <a:t>7. Conclusion: Advantages and Applications of Huffman Coding</a:t>
+              <a:t>7. Conclusion: The Power and Applications of Huffman Coding</a:t>
             </a:r>
           </a:p>
         </p:txBody>
@@ -6755,7 +7009,7 @@
               <a:defRPr sz="1800"/>
             </a:pPr>
             <a:r>
-              <a:t>Developed by David Huffman.</a:t>
+              <a:t>Data compression technique reducing file size without information loss.</a:t>
             </a:r>
           </a:p>
           <a:p>
@@ -6766,7 +7020,7 @@
               <a:defRPr sz="1800"/>
             </a:pPr>
             <a:r>
-              <a:t>Data compression technique that reduces file size without data loss.</a:t>
+              <a:t>Developed by David A. Huffman.</a:t>
             </a:r>
           </a:p>
           <a:p>
@@ -6777,7 +7031,7 @@
               <a:defRPr sz="1800"/>
             </a:pPr>
             <a:r>
-              <a:t>Exploits character frequency for efficient compression.</a:t>
+              <a:t>Exploits character frequency differences in data.</a:t>
             </a:r>
           </a:p>
           <a:p>
@@ -6788,7 +7042,7 @@
               <a:defRPr sz="1800"/>
             </a:pPr>
             <a:r>
-              <a:t>Most effective for data with frequent repeating characters (text, images).</a:t>
+              <a:t>Most effective for text and other data with frequent repeating characters.</a:t>
             </a:r>
           </a:p>
           <a:p>
@@ -6799,18 +7053,7 @@
               <a:defRPr sz="1800"/>
             </a:pPr>
             <a:r>
-              <a:t>Reduces storage space and transmission time.</a:t>
-            </a:r>
-          </a:p>
-          <a:p>
-            <a:pPr>
-              <a:lnSpc>
-                <a:spcPct val="115000"/>
-              </a:lnSpc>
-              <a:defRPr sz="1800"/>
-            </a:pPr>
-            <a:r>
-              <a:t>Widely used in various data compression algorithms.</a:t>
+              <a:t>Improves data transmission speed and storage efficiency.</a:t>
             </a:r>
           </a:p>
         </p:txBody>
@@ -7008,7 +7251,7 @@
           <a:lstStyle/>
           <a:p>
             <a:r>
-              <a:t>How Huffman Coding Works: A Simple Explanation</a:t>
+              <a:t>How Huffman Coding Works: A Conceptual Overview</a:t>
             </a:r>
           </a:p>
         </p:txBody>
@@ -7036,7 +7279,7 @@
               <a:defRPr sz="1800"/>
             </a:pPr>
             <a:r>
-              <a:t>Assigns shorter codes to frequently occurring characters.</a:t>
+              <a:t>Assigns shorter codes to frequent characters, longer codes to infrequent ones.</a:t>
             </a:r>
           </a:p>
           <a:p>
@@ -7047,7 +7290,7 @@
               <a:defRPr sz="1800"/>
             </a:pPr>
             <a:r>
-              <a:t>Assigns longer codes to less frequent characters.</a:t>
+              <a:t>Creates a binary tree based on character frequencies.</a:t>
             </a:r>
           </a:p>
           <a:p>
@@ -7058,7 +7301,7 @@
               <a:defRPr sz="1800"/>
             </a:pPr>
             <a:r>
-              <a:t>Uses a binary tree (Huffman tree) to represent codes.</a:t>
+              <a:t>Uses a prefix code (no code is a prefix of another).</a:t>
             </a:r>
           </a:p>
           <a:p>
@@ -7069,7 +7312,7 @@
               <a:defRPr sz="1800"/>
             </a:pPr>
             <a:r>
-              <a:t>The tree is built based on character frequencies.</a:t>
+              <a:t>Encodes data by replacing characters with their assigned codes.</a:t>
             </a:r>
           </a:p>
           <a:p>
@@ -7080,18 +7323,7 @@
               <a:defRPr sz="1800"/>
             </a:pPr>
             <a:r>
-              <a:t>Encoding involves traversing the tree to find the code for each character.</a:t>
-            </a:r>
-          </a:p>
-          <a:p>
-            <a:pPr>
-              <a:lnSpc>
-                <a:spcPct val="115000"/>
-              </a:lnSpc>
-              <a:defRPr sz="1800"/>
-            </a:pPr>
-            <a:r>
-              <a:t>Decoding involves traversing the tree based on the code to find the character.</a:t>
+              <a:t>Decodes data using the same binary tree, traversing from root to leaf.</a:t>
             </a:r>
           </a:p>
         </p:txBody>
@@ -7140,7 +7372,7 @@
               <a:defRPr sz="3200" b="1"/>
             </a:pPr>
             <a:r>
-              <a:t>How Huffman Coding Works: A Simple Explanation - Visual Content</a:t>
+              <a:t>How Huffman Coding Works: A Conceptual Overview - Visual Content</a:t>
             </a:r>
           </a:p>
         </p:txBody>
@@ -7289,7 +7521,7 @@
           <a:lstStyle/>
           <a:p>
             <a:r>
-              <a:t>Huffman Tree Construction</a:t>
+              <a:t>Building the Huffman Tree: Step-by-Step</a:t>
             </a:r>
           </a:p>
         </p:txBody>
@@ -7317,7 +7549,7 @@
               <a:defRPr sz="1800"/>
             </a:pPr>
             <a:r>
-              <a:t>Calculate the frequency of each character in the input data.</a:t>
+              <a:t>Calculate character frequencies in input data.</a:t>
             </a:r>
           </a:p>
           <a:p>
@@ -7328,7 +7560,7 @@
               <a:defRPr sz="1800"/>
             </a:pPr>
             <a:r>
-              <a:t>Create a min-heap data structure to store characters and their frequencies.</a:t>
+              <a:t>Create a min-heap (priority queue) of characters sorted by frequency.</a:t>
             </a:r>
           </a:p>
           <a:p>
@@ -7339,7 +7571,7 @@
               <a:defRPr sz="1800"/>
             </a:pPr>
             <a:r>
-              <a:t>Repeatedly extract the two nodes with the lowest frequencies from the heap.</a:t>
+              <a:t>Repeatedly extract two nodes with lowest frequencies.</a:t>
             </a:r>
           </a:p>
           <a:p>
@@ -7350,7 +7582,7 @@
               <a:defRPr sz="1800"/>
             </a:pPr>
             <a:r>
-              <a:t>Create a new node with the sum of their frequencies, making the extracted nodes its children.</a:t>
+              <a:t>Create a new parent node with frequency sum of children.</a:t>
             </a:r>
           </a:p>
           <a:p>
@@ -7361,7 +7593,7 @@
               <a:defRPr sz="1800"/>
             </a:pPr>
             <a:r>
-              <a:t>Insert the new node back into the heap.</a:t>
+              <a:t>Insert new node back into the heap.</a:t>
             </a:r>
           </a:p>
           <a:p>
@@ -7372,7 +7604,7 @@
               <a:defRPr sz="1800"/>
             </a:pPr>
             <a:r>
-              <a:t>Repeat until only one node remains (the root of the Huffman tree).</a:t>
+              <a:t>Repeat until only one node (root) remains.</a:t>
             </a:r>
           </a:p>
         </p:txBody>
@@ -7421,7 +7653,7 @@
               <a:defRPr sz="3200" b="1"/>
             </a:pPr>
             <a:r>
-              <a:t>Huffman Tree Construction - Visual Content</a:t>
+              <a:t>Building the Huffman Tree: Step-by-Step - Visual Content</a:t>
             </a:r>
           </a:p>
         </p:txBody>

--- a/output/generated_presentation.pptx
+++ b/output/generated_presentation.pptx
@@ -6050,7 +6050,7 @@
           <a:lstStyle/>
           <a:p>
             <a:r>
-              <a:t>Huffman Coding Algorithm: Code Generation and Implementation</a:t>
+              <a:t>Huffman Coding Algorithm &amp; Code Generation</a:t>
             </a:r>
           </a:p>
         </p:txBody>
@@ -6078,7 +6078,7 @@
               <a:defRPr sz="1800"/>
             </a:pPr>
             <a:r>
-              <a:t>Traverse the Huffman tree assigning '0' to left branches and '1' to right branches.</a:t>
+              <a:t>Traverse the Huffman tree from the root to each leaf node.</a:t>
             </a:r>
           </a:p>
           <a:p>
@@ -6089,7 +6089,7 @@
               <a:defRPr sz="1800"/>
             </a:pPr>
             <a:r>
-              <a:t>Leaf nodes represent characters and their associated binary codes.</a:t>
+              <a:t>Assign '0' to the left branch and '1' to the right branch.</a:t>
             </a:r>
           </a:p>
           <a:p>
@@ -6100,7 +6100,7 @@
               <a:defRPr sz="1800"/>
             </a:pPr>
             <a:r>
-              <a:t>The code for each character is the path from the root to that leaf.</a:t>
+              <a:t>The sequence of 0s and 1s along the path from the root to a leaf node forms the Huffman code for that character.</a:t>
             </a:r>
           </a:p>
           <a:p>
@@ -6111,7 +6111,7 @@
               <a:defRPr sz="1800"/>
             </a:pPr>
             <a:r>
-              <a:t>The algorithm ensures a prefix-free code, preventing ambiguity during decoding.</a:t>
+              <a:t>The codes are prefix-free (no code is a prefix of another).</a:t>
             </a:r>
           </a:p>
           <a:p>
@@ -6122,7 +6122,18 @@
               <a:defRPr sz="1800"/>
             </a:pPr>
             <a:r>
-              <a:t>Implementation involves using data structures like min-heaps and trees.</a:t>
+              <a:t>This ensures unambiguous decoding.</a:t>
+            </a:r>
+          </a:p>
+          <a:p>
+            <a:pPr>
+              <a:lnSpc>
+                <a:spcPct val="115000"/>
+              </a:lnSpc>
+              <a:defRPr sz="1800"/>
+            </a:pPr>
+            <a:r>
+              <a:t>The codes are variable-length, optimizing compression.</a:t>
             </a:r>
           </a:p>
         </p:txBody>
@@ -6161,7 +6172,7 @@
           <a:lstStyle/>
           <a:p>
             <a:r>
-              <a:t>Prefix Codes and Decoding: Ensuring Unambiguity</a:t>
+              <a:t>Prefix Codes and Ambiguity Avoidance</a:t>
             </a:r>
           </a:p>
         </p:txBody>
@@ -6189,7 +6200,7 @@
               <a:defRPr sz="1800"/>
             </a:pPr>
             <a:r>
-              <a:t>Prefix codes guarantee unique decoding.</a:t>
+              <a:t>Huffman codes are prefix-free, meaning no code is a prefix of another.</a:t>
             </a:r>
           </a:p>
           <a:p>
@@ -6200,7 +6211,7 @@
               <a:defRPr sz="1800"/>
             </a:pPr>
             <a:r>
-              <a:t>No code is a prefix of another, eliminating ambiguity.</a:t>
+              <a:t>This prevents ambiguity during decoding.</a:t>
             </a:r>
           </a:p>
           <a:p>
@@ -6211,7 +6222,7 @@
               <a:defRPr sz="1800"/>
             </a:pPr>
             <a:r>
-              <a:t>Decoding involves traversing the Huffman tree based on the received code.</a:t>
+              <a:t>The tree structure ensures that any code sequence can be uniquely decoded.</a:t>
             </a:r>
           </a:p>
           <a:p>
@@ -6222,7 +6233,7 @@
               <a:defRPr sz="1800"/>
             </a:pPr>
             <a:r>
-              <a:t>Each '0' indicates a left traversal, each '1' a right traversal.</a:t>
+              <a:t>This property is crucial for lossless data compression.</a:t>
             </a:r>
           </a:p>
           <a:p>
@@ -6233,7 +6244,7 @@
               <a:defRPr sz="1800"/>
             </a:pPr>
             <a:r>
-              <a:t>Reaching a leaf node signifies the decoded character.</a:t>
+              <a:t>Avoids the need for delimiters between codes.</a:t>
             </a:r>
           </a:p>
         </p:txBody>
@@ -6272,7 +6283,7 @@
           <a:lstStyle/>
           <a:p>
             <a:r>
-              <a:t>Example and Compression Analysis: A Practical Demonstration</a:t>
+              <a:t>Decoding Huffman Codes and Example Comparison</a:t>
             </a:r>
           </a:p>
         </p:txBody>
@@ -6300,7 +6311,7 @@
               <a:defRPr sz="1800"/>
             </a:pPr>
             <a:r>
-              <a:t>Presents a sample string and its Huffman encoding.</a:t>
+              <a:t>Use the Huffman tree and the encoded data.</a:t>
             </a:r>
           </a:p>
           <a:p>
@@ -6311,7 +6322,7 @@
               <a:defRPr sz="1800"/>
             </a:pPr>
             <a:r>
-              <a:t>Shows the frequency of each character.</a:t>
+              <a:t>Start at the root of the tree.</a:t>
             </a:r>
           </a:p>
           <a:p>
@@ -6322,7 +6333,7 @@
               <a:defRPr sz="1800"/>
             </a:pPr>
             <a:r>
-              <a:t>Illustrates the Huffman tree construction for the sample string.</a:t>
+              <a:t>Follow the path indicated by the encoded bits (0 for left, 1 for right).</a:t>
             </a:r>
           </a:p>
           <a:p>
@@ -6333,7 +6344,7 @@
               <a:defRPr sz="1800"/>
             </a:pPr>
             <a:r>
-              <a:t>Calculates the original and compressed data sizes in bits.</a:t>
+              <a:t>When a leaf node is reached, output the corresponding character.</a:t>
             </a:r>
           </a:p>
           <a:p>
@@ -6344,7 +6355,18 @@
               <a:defRPr sz="1800"/>
             </a:pPr>
             <a:r>
-              <a:t>Demonstrates the significant reduction in size achieved through Huffman coding.</a:t>
+              <a:t>Repeat until all encoded bits are processed.</a:t>
+            </a:r>
+          </a:p>
+          <a:p>
+            <a:pPr>
+              <a:lnSpc>
+                <a:spcPct val="115000"/>
+              </a:lnSpc>
+              <a:defRPr sz="1800"/>
+            </a:pPr>
+            <a:r>
+              <a:t>Example: Compare original data size vs. Huffman-coded data size to demonstrate compression.</a:t>
             </a:r>
           </a:p>
         </p:txBody>
@@ -6383,7 +6405,7 @@
           <a:lstStyle/>
           <a:p>
             <a:r>
-              <a:t>Conclusion: The Power and Applications of Huffman Coding</a:t>
+              <a:t>Conclusion: Efficiency and Applications of Huffman Coding</a:t>
             </a:r>
           </a:p>
         </p:txBody>
@@ -6422,7 +6444,7 @@
               <a:defRPr sz="1800"/>
             </a:pPr>
             <a:r>
-              <a:t>Widely used in data compression algorithms and file formats.</a:t>
+              <a:t>Widely used in various applications like data archiving, text compression, and image compression (as a component of more complex algorithms).</a:t>
             </a:r>
           </a:p>
           <a:p>
@@ -6433,7 +6455,7 @@
               <a:defRPr sz="1800"/>
             </a:pPr>
             <a:r>
-              <a:t>Its effectiveness depends on the distribution of character frequencies.</a:t>
+              <a:t>Its effectiveness depends on the frequency distribution of the input data.</a:t>
             </a:r>
           </a:p>
           <a:p>
@@ -6444,7 +6466,7 @@
               <a:defRPr sz="1800"/>
             </a:pPr>
             <a:r>
-              <a:t>Applications include text compression, image compression (as part of larger algorithms), and data transmission optimization.</a:t>
+              <a:t>Limitations: Overhead from storing the Huffman tree.  Better suited for large datasets.</a:t>
             </a:r>
           </a:p>
           <a:p>
@@ -6455,7 +6477,7 @@
               <a:defRPr sz="1800"/>
             </a:pPr>
             <a:r>
-              <a:t>Further advancements in compression techniques often build upon the principles of Huffman coding.</a:t>
+              <a:t>Future developments continue to build upon its core principles.</a:t>
             </a:r>
           </a:p>
         </p:txBody>
@@ -6787,7 +6809,7 @@
         </p:nvSpPr>
         <p:spPr>
           <a:xfrm>
-            <a:off x="914400" y="3657600"/>
+            <a:off x="6400800" y="4114800"/>
             <a:ext cx="7315200" cy="914400"/>
           </a:xfrm>
           <a:prstGeom prst="rect">
@@ -6801,15 +6823,11 @@
           </a:bodyPr>
           <a:lstStyle/>
           <a:p>
-            <a:pPr algn="ctr">
-              <a:defRPr sz="1800">
-                <a:solidFill>
-                  <a:srgbClr val="595959"/>
-                </a:solidFill>
-              </a:defRPr>
+            <a:pPr>
+              <a:defRPr sz="1800" i="1"/>
             </a:pPr>
             <a:r>
-              <a:t>Created by: </a:t>
+              <a:t>Created by: Shubham</a:t>
             </a:r>
           </a:p>
         </p:txBody>
@@ -6898,7 +6916,7 @@
               <a:defRPr sz="1800"/>
             </a:pPr>
             <a:r>
-              <a:t>3. Building the Huffman Tree: Step-by-Step</a:t>
+              <a:t>3. Huffman Tree Construction: Building the Foundation</a:t>
             </a:r>
           </a:p>
           <a:p>
@@ -6909,7 +6927,7 @@
               <a:defRPr sz="1800"/>
             </a:pPr>
             <a:r>
-              <a:t>4. Huffman Coding Algorithm: Code Generation and Implementation</a:t>
+              <a:t>4. Huffman Coding Algorithm &amp; Code Generation</a:t>
             </a:r>
           </a:p>
           <a:p>
@@ -6920,7 +6938,7 @@
               <a:defRPr sz="1800"/>
             </a:pPr>
             <a:r>
-              <a:t>5. Prefix Codes and Decoding: Ensuring Unambiguity</a:t>
+              <a:t>5. Prefix Codes and Ambiguity Avoidance</a:t>
             </a:r>
           </a:p>
           <a:p>
@@ -6931,7 +6949,7 @@
               <a:defRPr sz="1800"/>
             </a:pPr>
             <a:r>
-              <a:t>6. Example and Compression Analysis: A Practical Demonstration</a:t>
+              <a:t>6. Decoding Huffman Codes and Example Comparison</a:t>
             </a:r>
           </a:p>
           <a:p>
@@ -6942,7 +6960,7 @@
               <a:defRPr sz="1800"/>
             </a:pPr>
             <a:r>
-              <a:t>7. Conclusion: The Power and Applications of Huffman Coding</a:t>
+              <a:t>7. Conclusion: Efficiency and Applications of Huffman Coding</a:t>
             </a:r>
           </a:p>
         </p:txBody>
@@ -7031,7 +7049,7 @@
               <a:defRPr sz="1800"/>
             </a:pPr>
             <a:r>
-              <a:t>Exploits character frequency differences in data.</a:t>
+              <a:t>Exploits character frequency in data for optimal encoding.</a:t>
             </a:r>
           </a:p>
           <a:p>
@@ -7042,7 +7060,7 @@
               <a:defRPr sz="1800"/>
             </a:pPr>
             <a:r>
-              <a:t>Most effective for text and other data with frequent repeating characters.</a:t>
+              <a:t>Most effective for text with repetitive characters.</a:t>
             </a:r>
           </a:p>
           <a:p>
@@ -7053,7 +7071,18 @@
               <a:defRPr sz="1800"/>
             </a:pPr>
             <a:r>
-              <a:t>Improves data transmission speed and storage efficiency.</a:t>
+              <a:t>Reduces storage space and transmission time.</a:t>
+            </a:r>
+          </a:p>
+          <a:p>
+            <a:pPr>
+              <a:lnSpc>
+                <a:spcPct val="115000"/>
+              </a:lnSpc>
+              <a:defRPr sz="1800"/>
+            </a:pPr>
+            <a:r>
+              <a:t>Foundation for many modern compression algorithms.</a:t>
             </a:r>
           </a:p>
         </p:txBody>
@@ -7279,7 +7308,7 @@
               <a:defRPr sz="1800"/>
             </a:pPr>
             <a:r>
-              <a:t>Assigns shorter codes to frequent characters, longer codes to infrequent ones.</a:t>
+              <a:t>Assigns shorter codes to frequently occurring characters.</a:t>
             </a:r>
           </a:p>
           <a:p>
@@ -7290,7 +7319,7 @@
               <a:defRPr sz="1800"/>
             </a:pPr>
             <a:r>
-              <a:t>Creates a binary tree based on character frequencies.</a:t>
+              <a:t>Longer codes to less frequent characters.</a:t>
             </a:r>
           </a:p>
           <a:p>
@@ -7301,7 +7330,7 @@
               <a:defRPr sz="1800"/>
             </a:pPr>
             <a:r>
-              <a:t>Uses a prefix code (no code is a prefix of another).</a:t>
+              <a:t>Achieves optimal compression by minimizing the average code length.</a:t>
             </a:r>
           </a:p>
           <a:p>
@@ -7312,7 +7341,7 @@
               <a:defRPr sz="1800"/>
             </a:pPr>
             <a:r>
-              <a:t>Encodes data by replacing characters with their assigned codes.</a:t>
+              <a:t>Uses a binary tree structure (Huffman tree) for encoding and decoding.</a:t>
             </a:r>
           </a:p>
           <a:p>
@@ -7323,7 +7352,18 @@
               <a:defRPr sz="1800"/>
             </a:pPr>
             <a:r>
-              <a:t>Decodes data using the same binary tree, traversing from root to leaf.</a:t>
+              <a:t>Requires a pre-processing step to determine character frequencies.</a:t>
+            </a:r>
+          </a:p>
+          <a:p>
+            <a:pPr>
+              <a:lnSpc>
+                <a:spcPct val="115000"/>
+              </a:lnSpc>
+              <a:defRPr sz="1800"/>
+            </a:pPr>
+            <a:r>
+              <a:t>Encoded data needs the Huffman tree for successful decoding.</a:t>
             </a:r>
           </a:p>
         </p:txBody>
@@ -7521,7 +7561,7 @@
           <a:lstStyle/>
           <a:p>
             <a:r>
-              <a:t>Building the Huffman Tree: Step-by-Step</a:t>
+              <a:t>Huffman Tree Construction: Building the Foundation</a:t>
             </a:r>
           </a:p>
         </p:txBody>
@@ -7549,7 +7589,7 @@
               <a:defRPr sz="1800"/>
             </a:pPr>
             <a:r>
-              <a:t>Calculate character frequencies in input data.</a:t>
+              <a:t>Calculate the frequency of each unique character in the input data.</a:t>
             </a:r>
           </a:p>
           <a:p>
@@ -7560,7 +7600,7 @@
               <a:defRPr sz="1800"/>
             </a:pPr>
             <a:r>
-              <a:t>Create a min-heap (priority queue) of characters sorted by frequency.</a:t>
+              <a:t>Create a min-heap data structure to store characters and their frequencies.</a:t>
             </a:r>
           </a:p>
           <a:p>
@@ -7571,7 +7611,7 @@
               <a:defRPr sz="1800"/>
             </a:pPr>
             <a:r>
-              <a:t>Repeatedly extract two nodes with lowest frequencies.</a:t>
+              <a:t>Repeatedly extract the two nodes with the lowest frequencies.</a:t>
             </a:r>
           </a:p>
           <a:p>
@@ -7582,7 +7622,7 @@
               <a:defRPr sz="1800"/>
             </a:pPr>
             <a:r>
-              <a:t>Create a new parent node with frequency sum of children.</a:t>
+              <a:t>Create a new node, combining the two extracted nodes as children.</a:t>
             </a:r>
           </a:p>
           <a:p>
@@ -7593,7 +7633,7 @@
               <a:defRPr sz="1800"/>
             </a:pPr>
             <a:r>
-              <a:t>Insert new node back into the heap.</a:t>
+              <a:t>Assign the sum of their frequencies as the new node's frequency.</a:t>
             </a:r>
           </a:p>
           <a:p>
@@ -7604,7 +7644,7 @@
               <a:defRPr sz="1800"/>
             </a:pPr>
             <a:r>
-              <a:t>Repeat until only one node (root) remains.</a:t>
+              <a:t>Repeat until only one node (the root) remains.</a:t>
             </a:r>
           </a:p>
         </p:txBody>
@@ -7653,7 +7693,7 @@
               <a:defRPr sz="3200" b="1"/>
             </a:pPr>
             <a:r>
-              <a:t>Building the Huffman Tree: Step-by-Step - Visual Content</a:t>
+              <a:t>Huffman Tree Construction: Building the Foundation - Visual Content</a:t>
             </a:r>
           </a:p>
         </p:txBody>

--- a/output/generated_presentation.pptx
+++ b/output/generated_presentation.pptx
@@ -6050,7 +6050,7 @@
           <a:lstStyle/>
           <a:p>
             <a:r>
-              <a:t>Huffman Coding Algorithm &amp; Code Generation</a:t>
+              <a:t>Huffman Coding Algorithm (Code Example)</a:t>
             </a:r>
           </a:p>
         </p:txBody>
@@ -6078,7 +6078,7 @@
               <a:defRPr sz="1800"/>
             </a:pPr>
             <a:r>
-              <a:t>Traverse the Huffman tree from the root to each leaf node.</a:t>
+              <a:t>Illustrate the algorithm using pseudocode or a simplified code example (C++, Python, etc.).</a:t>
             </a:r>
           </a:p>
           <a:p>
@@ -6089,7 +6089,7 @@
               <a:defRPr sz="1800"/>
             </a:pPr>
             <a:r>
-              <a:t>Assign '0' to the left branch and '1' to the right branch.</a:t>
+              <a:t>Show the functions for creating the min-heap, building the tree, assigning codes, and encoding/decoding.</a:t>
             </a:r>
           </a:p>
           <a:p>
@@ -6100,7 +6100,7 @@
               <a:defRPr sz="1800"/>
             </a:pPr>
             <a:r>
-              <a:t>The sequence of 0s and 1s along the path from the root to a leaf node forms the Huffman code for that character.</a:t>
+              <a:t>Focus on key steps: building the min-heap, extracting minimum nodes, creating new nodes, and assigning codes.</a:t>
             </a:r>
           </a:p>
           <a:p>
@@ -6111,7 +6111,7 @@
               <a:defRPr sz="1800"/>
             </a:pPr>
             <a:r>
-              <a:t>The codes are prefix-free (no code is a prefix of another).</a:t>
+              <a:t>Highlight the recursive nature of tree traversal for code generation.</a:t>
             </a:r>
           </a:p>
           <a:p>
@@ -6122,18 +6122,7 @@
               <a:defRPr sz="1800"/>
             </a:pPr>
             <a:r>
-              <a:t>This ensures unambiguous decoding.</a:t>
-            </a:r>
-          </a:p>
-          <a:p>
-            <a:pPr>
-              <a:lnSpc>
-                <a:spcPct val="115000"/>
-              </a:lnSpc>
-              <a:defRPr sz="1800"/>
-            </a:pPr>
-            <a:r>
-              <a:t>The codes are variable-length, optimizing compression.</a:t>
+              <a:t>Show a simple example of how the algorithm works with a small set of characters and frequencies.</a:t>
             </a:r>
           </a:p>
         </p:txBody>
@@ -6172,7 +6161,7 @@
           <a:lstStyle/>
           <a:p>
             <a:r>
-              <a:t>Prefix Codes and Ambiguity Avoidance</a:t>
+              <a:t>Prefix Codes and Decoding</a:t>
             </a:r>
           </a:p>
         </p:txBody>
@@ -6200,7 +6189,7 @@
               <a:defRPr sz="1800"/>
             </a:pPr>
             <a:r>
-              <a:t>Huffman codes are prefix-free, meaning no code is a prefix of another.</a:t>
+              <a:t>Huffman codes are prefix-free: no code is a prefix of another.  This prevents ambiguity during decoding.</a:t>
             </a:r>
           </a:p>
           <a:p>
@@ -6211,7 +6200,7 @@
               <a:defRPr sz="1800"/>
             </a:pPr>
             <a:r>
-              <a:t>This prevents ambiguity during decoding.</a:t>
+              <a:t>Decoding involves traversing the Huffman tree using the encoded bits.</a:t>
             </a:r>
           </a:p>
           <a:p>
@@ -6222,7 +6211,7 @@
               <a:defRPr sz="1800"/>
             </a:pPr>
             <a:r>
-              <a:t>The tree structure ensures that any code sequence can be uniquely decoded.</a:t>
+              <a:t>A '0' indicates traversing to the left child, and a '1' indicates traversing to the right child.</a:t>
             </a:r>
           </a:p>
           <a:p>
@@ -6233,7 +6222,7 @@
               <a:defRPr sz="1800"/>
             </a:pPr>
             <a:r>
-              <a:t>This property is crucial for lossless data compression.</a:t>
+              <a:t>When a leaf node is reached, the corresponding character is output.</a:t>
             </a:r>
           </a:p>
           <a:p>
@@ -6244,7 +6233,7 @@
               <a:defRPr sz="1800"/>
             </a:pPr>
             <a:r>
-              <a:t>Avoids the need for delimiters between codes.</a:t>
+              <a:t>The process continues until all encoded bits are processed.</a:t>
             </a:r>
           </a:p>
         </p:txBody>
@@ -6283,7 +6272,7 @@
           <a:lstStyle/>
           <a:p>
             <a:r>
-              <a:t>Decoding Huffman Codes and Example Comparison</a:t>
+              <a:t>Example and Comparison</a:t>
             </a:r>
           </a:p>
         </p:txBody>
@@ -6311,7 +6300,7 @@
               <a:defRPr sz="1800"/>
             </a:pPr>
             <a:r>
-              <a:t>Use the Huffman tree and the encoded data.</a:t>
+              <a:t>Show a concrete example: initial string, frequency table, Huffman tree, encoded string, and size comparison.</a:t>
             </a:r>
           </a:p>
           <a:p>
@@ -6322,7 +6311,7 @@
               <a:defRPr sz="1800"/>
             </a:pPr>
             <a:r>
-              <a:t>Start at the root of the tree.</a:t>
+              <a:t>Quantify the compression achieved (e.g., from 120 bits to 75 bits).</a:t>
             </a:r>
           </a:p>
           <a:p>
@@ -6333,7 +6322,7 @@
               <a:defRPr sz="1800"/>
             </a:pPr>
             <a:r>
-              <a:t>Follow the path indicated by the encoded bits (0 for left, 1 for right).</a:t>
+              <a:t>Compare the size of the original data with the size of the compressed data (including the overhead of storing the Huffman tree).</a:t>
             </a:r>
           </a:p>
           <a:p>
@@ -6344,29 +6333,7 @@
               <a:defRPr sz="1800"/>
             </a:pPr>
             <a:r>
-              <a:t>When a leaf node is reached, output the corresponding character.</a:t>
-            </a:r>
-          </a:p>
-          <a:p>
-            <a:pPr>
-              <a:lnSpc>
-                <a:spcPct val="115000"/>
-              </a:lnSpc>
-              <a:defRPr sz="1800"/>
-            </a:pPr>
-            <a:r>
-              <a:t>Repeat until all encoded bits are processed.</a:t>
-            </a:r>
-          </a:p>
-          <a:p>
-            <a:pPr>
-              <a:lnSpc>
-                <a:spcPct val="115000"/>
-              </a:lnSpc>
-              <a:defRPr sz="1800"/>
-            </a:pPr>
-            <a:r>
-              <a:t>Example: Compare original data size vs. Huffman-coded data size to demonstrate compression.</a:t>
+              <a:t>Discuss the trade-off between compression ratio and the overhead of storing the tree structure.</a:t>
             </a:r>
           </a:p>
         </p:txBody>
@@ -6405,7 +6372,7 @@
           <a:lstStyle/>
           <a:p>
             <a:r>
-              <a:t>Conclusion: Efficiency and Applications of Huffman Coding</a:t>
+              <a:t>Conclusion: Applications and Advantages of Huffman Coding</a:t>
             </a:r>
           </a:p>
         </p:txBody>
@@ -6433,7 +6400,7 @@
               <a:defRPr sz="1800"/>
             </a:pPr>
             <a:r>
-              <a:t>Huffman coding provides efficient lossless data compression.</a:t>
+              <a:t>Summarize the key benefits of Huffman coding: lossless compression, efficiency for data with varying character frequencies.</a:t>
             </a:r>
           </a:p>
           <a:p>
@@ -6444,7 +6411,7 @@
               <a:defRPr sz="1800"/>
             </a:pPr>
             <a:r>
-              <a:t>Widely used in various applications like data archiving, text compression, and image compression (as a component of more complex algorithms).</a:t>
+              <a:t>Mention applications: data compression (text, images, etc.), data transmission, archiving.</a:t>
             </a:r>
           </a:p>
           <a:p>
@@ -6455,7 +6422,7 @@
               <a:defRPr sz="1800"/>
             </a:pPr>
             <a:r>
-              <a:t>Its effectiveness depends on the frequency distribution of the input data.</a:t>
+              <a:t>Discuss limitations: not optimal for all types of data, overhead of storing the Huffman tree.</a:t>
             </a:r>
           </a:p>
           <a:p>
@@ -6466,18 +6433,7 @@
               <a:defRPr sz="1800"/>
             </a:pPr>
             <a:r>
-              <a:t>Limitations: Overhead from storing the Huffman tree.  Better suited for large datasets.</a:t>
-            </a:r>
-          </a:p>
-          <a:p>
-            <a:pPr>
-              <a:lnSpc>
-                <a:spcPct val="115000"/>
-              </a:lnSpc>
-              <a:defRPr sz="1800"/>
-            </a:pPr>
-            <a:r>
-              <a:t>Future developments continue to build upon its core principles.</a:t>
+              <a:t>Suggest further exploration of advanced compression techniques.</a:t>
             </a:r>
           </a:p>
         </p:txBody>
@@ -6779,7 +6735,7 @@
           <a:lstStyle/>
           <a:p>
             <a:r>
-              <a:t>Huffman Coding: Data Compression Through Efficiency</a:t>
+              <a:t>Huffman Coding: Data Compression Explained</a:t>
             </a:r>
           </a:p>
         </p:txBody>
@@ -6827,7 +6783,7 @@
               <a:defRPr sz="1800" i="1"/>
             </a:pPr>
             <a:r>
-              <a:t>Created by: Shubham</a:t>
+              <a:t>Created by: </a:t>
             </a:r>
           </a:p>
         </p:txBody>
@@ -6905,7 +6861,7 @@
               <a:defRPr sz="1800"/>
             </a:pPr>
             <a:r>
-              <a:t>2. How Huffman Coding Works: A Conceptual Overview</a:t>
+              <a:t>2. How Huffman Coding Works: Encoding</a:t>
             </a:r>
           </a:p>
           <a:p>
@@ -6916,7 +6872,7 @@
               <a:defRPr sz="1800"/>
             </a:pPr>
             <a:r>
-              <a:t>3. Huffman Tree Construction: Building the Foundation</a:t>
+              <a:t>3. Building the Huffman Tree</a:t>
             </a:r>
           </a:p>
           <a:p>
@@ -6927,7 +6883,7 @@
               <a:defRPr sz="1800"/>
             </a:pPr>
             <a:r>
-              <a:t>4. Huffman Coding Algorithm &amp; Code Generation</a:t>
+              <a:t>4. Huffman Coding Algorithm (Code Example)</a:t>
             </a:r>
           </a:p>
           <a:p>
@@ -6938,7 +6894,7 @@
               <a:defRPr sz="1800"/>
             </a:pPr>
             <a:r>
-              <a:t>5. Prefix Codes and Ambiguity Avoidance</a:t>
+              <a:t>5. Prefix Codes and Decoding</a:t>
             </a:r>
           </a:p>
           <a:p>
@@ -6949,7 +6905,7 @@
               <a:defRPr sz="1800"/>
             </a:pPr>
             <a:r>
-              <a:t>6. Decoding Huffman Codes and Example Comparison</a:t>
+              <a:t>6. Example and Comparison</a:t>
             </a:r>
           </a:p>
           <a:p>
@@ -6960,7 +6916,7 @@
               <a:defRPr sz="1800"/>
             </a:pPr>
             <a:r>
-              <a:t>7. Conclusion: Efficiency and Applications of Huffman Coding</a:t>
+              <a:t>7. Conclusion: Applications and Advantages of Huffman Coding</a:t>
             </a:r>
           </a:p>
         </p:txBody>
@@ -7038,7 +6994,7 @@
               <a:defRPr sz="1800"/>
             </a:pPr>
             <a:r>
-              <a:t>Developed by David A. Huffman.</a:t>
+              <a:t>Developed by David Huffman.</a:t>
             </a:r>
           </a:p>
           <a:p>
@@ -7049,7 +7005,7 @@
               <a:defRPr sz="1800"/>
             </a:pPr>
             <a:r>
-              <a:t>Exploits character frequency in data for optimal encoding.</a:t>
+              <a:t>Exploits character frequency in data for efficient encoding.</a:t>
             </a:r>
           </a:p>
           <a:p>
@@ -7060,7 +7016,7 @@
               <a:defRPr sz="1800"/>
             </a:pPr>
             <a:r>
-              <a:t>Most effective for text with repetitive characters.</a:t>
+              <a:t>Most effective for data with frequently repeating characters (e.g., text).</a:t>
             </a:r>
           </a:p>
           <a:p>
@@ -7071,7 +7027,7 @@
               <a:defRPr sz="1800"/>
             </a:pPr>
             <a:r>
-              <a:t>Reduces storage space and transmission time.</a:t>
+              <a:t>Creates variable-length codes, assigning shorter codes to more frequent characters.</a:t>
             </a:r>
           </a:p>
           <a:p>
@@ -7082,7 +7038,7 @@
               <a:defRPr sz="1800"/>
             </a:pPr>
             <a:r>
-              <a:t>Foundation for many modern compression algorithms.</a:t>
+              <a:t>Results in smaller file sizes compared to fixed-length encoding (e.g., ASCII).</a:t>
             </a:r>
           </a:p>
         </p:txBody>
@@ -7280,7 +7236,7 @@
           <a:lstStyle/>
           <a:p>
             <a:r>
-              <a:t>How Huffman Coding Works: A Conceptual Overview</a:t>
+              <a:t>How Huffman Coding Works: Encoding</a:t>
             </a:r>
           </a:p>
         </p:txBody>
@@ -7308,7 +7264,7 @@
               <a:defRPr sz="1800"/>
             </a:pPr>
             <a:r>
-              <a:t>Assigns shorter codes to frequently occurring characters.</a:t>
+              <a:t>Begins by calculating the frequency of each character in the input data.</a:t>
             </a:r>
           </a:p>
           <a:p>
@@ -7319,7 +7275,7 @@
               <a:defRPr sz="1800"/>
             </a:pPr>
             <a:r>
-              <a:t>Longer codes to less frequent characters.</a:t>
+              <a:t>Characters are represented as nodes in a binary tree.</a:t>
             </a:r>
           </a:p>
           <a:p>
@@ -7330,7 +7286,7 @@
               <a:defRPr sz="1800"/>
             </a:pPr>
             <a:r>
-              <a:t>Achieves optimal compression by minimizing the average code length.</a:t>
+              <a:t>The tree is constructed based on character frequencies, with more frequent characters closer to the root.</a:t>
             </a:r>
           </a:p>
           <a:p>
@@ -7341,7 +7297,7 @@
               <a:defRPr sz="1800"/>
             </a:pPr>
             <a:r>
-              <a:t>Uses a binary tree structure (Huffman tree) for encoding and decoding.</a:t>
+              <a:t>Each character is assigned a unique binary code (0 or 1) based on its path from the root to the leaf node.</a:t>
             </a:r>
           </a:p>
           <a:p>
@@ -7352,7 +7308,7 @@
               <a:defRPr sz="1800"/>
             </a:pPr>
             <a:r>
-              <a:t>Requires a pre-processing step to determine character frequencies.</a:t>
+              <a:t>Shorter codes are assigned to more frequent characters.</a:t>
             </a:r>
           </a:p>
           <a:p>
@@ -7363,7 +7319,7 @@
               <a:defRPr sz="1800"/>
             </a:pPr>
             <a:r>
-              <a:t>Encoded data needs the Huffman tree for successful decoding.</a:t>
+              <a:t>The input data is then encoded using these binary codes.</a:t>
             </a:r>
           </a:p>
         </p:txBody>
@@ -7412,7 +7368,7 @@
               <a:defRPr sz="3200" b="1"/>
             </a:pPr>
             <a:r>
-              <a:t>How Huffman Coding Works: A Conceptual Overview - Visual Content</a:t>
+              <a:t>How Huffman Coding Works: Encoding - Visual Content</a:t>
             </a:r>
           </a:p>
         </p:txBody>
@@ -7561,7 +7517,7 @@
           <a:lstStyle/>
           <a:p>
             <a:r>
-              <a:t>Huffman Tree Construction: Building the Foundation</a:t>
+              <a:t>Building the Huffman Tree</a:t>
             </a:r>
           </a:p>
         </p:txBody>
@@ -7589,7 +7545,7 @@
               <a:defRPr sz="1800"/>
             </a:pPr>
             <a:r>
-              <a:t>Calculate the frequency of each unique character in the input data.</a:t>
+              <a:t>Create a priority queue (min-heap) containing each unique character and its frequency.</a:t>
             </a:r>
           </a:p>
           <a:p>
@@ -7600,7 +7556,7 @@
               <a:defRPr sz="1800"/>
             </a:pPr>
             <a:r>
-              <a:t>Create a min-heap data structure to store characters and their frequencies.</a:t>
+              <a:t>Repeatedly extract the two nodes with the lowest frequencies.</a:t>
             </a:r>
           </a:p>
           <a:p>
@@ -7611,7 +7567,7 @@
               <a:defRPr sz="1800"/>
             </a:pPr>
             <a:r>
-              <a:t>Repeatedly extract the two nodes with the lowest frequencies.</a:t>
+              <a:t>Create a new internal node with the sum of their frequencies as its frequency, making the extracted nodes its left and right children.</a:t>
             </a:r>
           </a:p>
           <a:p>
@@ -7622,7 +7578,7 @@
               <a:defRPr sz="1800"/>
             </a:pPr>
             <a:r>
-              <a:t>Create a new node, combining the two extracted nodes as children.</a:t>
+              <a:t>Insert the new node back into the priority queue.</a:t>
             </a:r>
           </a:p>
           <a:p>
@@ -7633,18 +7589,7 @@
               <a:defRPr sz="1800"/>
             </a:pPr>
             <a:r>
-              <a:t>Assign the sum of their frequencies as the new node's frequency.</a:t>
-            </a:r>
-          </a:p>
-          <a:p>
-            <a:pPr>
-              <a:lnSpc>
-                <a:spcPct val="115000"/>
-              </a:lnSpc>
-              <a:defRPr sz="1800"/>
-            </a:pPr>
-            <a:r>
-              <a:t>Repeat until only one node (the root) remains.</a:t>
+              <a:t>Repeat until only one node remains (the root of the Huffman tree).</a:t>
             </a:r>
           </a:p>
         </p:txBody>
@@ -7693,7 +7638,7 @@
               <a:defRPr sz="3200" b="1"/>
             </a:pPr>
             <a:r>
-              <a:t>Huffman Tree Construction: Building the Foundation - Visual Content</a:t>
+              <a:t>Building the Huffman Tree - Visual Content</a:t>
             </a:r>
           </a:p>
         </p:txBody>
